--- a/NePravilnoto-Uchilishte-presentation.pptx
+++ b/NePravilnoto-Uchilishte-presentation.pptx
@@ -275,6 +275,11 @@
       </a:defRPr>
     </a:lvl9pPr>
   </p:defaultTextStyle>
+  <p:extLst>
+    <p:ext uri="{EFAFB233-063F-42B5-8137-9DF3F51BA10A}">
+      <p15:sldGuideLst xmlns:p15="http://schemas.microsoft.com/office/powerpoint/2012/main"/>
+    </p:ext>
+  </p:extLst>
 </p:presentation>
 </file>
 
@@ -852,8 +857,8 @@
         </p:nvSpPr>
         <p:spPr>
           <a:xfrm>
-            <a:off x="381175" y="685800"/>
-            <a:ext cx="6096300" cy="3429000"/>
+            <a:off x="381000" y="685800"/>
+            <a:ext cx="6096000" cy="3429000"/>
           </a:xfrm>
           <a:custGeom>
             <a:avLst/>
@@ -14783,7 +14788,7 @@
               <a:buNone/>
             </a:pPr>
             <a:r>
-              <a:rPr lang="en" sz="3800" i="1">
+              <a:rPr lang="en" sz="3800" i="1" dirty="0">
                 <a:solidFill>
                   <a:srgbClr val="000000"/>
                 </a:solidFill>
@@ -14794,7 +14799,7 @@
               </a:rPr>
               <a:t>Благодарим Ви за вниманието!</a:t>
             </a:r>
-            <a:endParaRPr sz="3800" i="1">
+            <a:endParaRPr sz="3800" i="1" dirty="0">
               <a:solidFill>
                 <a:srgbClr val="000000"/>
               </a:solidFill>
@@ -14817,7 +14822,7 @@
               </a:spcAft>
               <a:buNone/>
             </a:pPr>
-            <a:endParaRPr sz="800" i="1">
+            <a:endParaRPr sz="800" i="1" dirty="0">
               <a:solidFill>
                 <a:srgbClr val="000000"/>
               </a:solidFill>
@@ -14841,7 +14846,7 @@
               <a:buNone/>
             </a:pPr>
             <a:r>
-              <a:rPr lang="en" sz="1200" i="1">
+              <a:rPr lang="en" sz="1200" i="1" dirty="0">
                 <a:solidFill>
                   <a:srgbClr val="000000"/>
                 </a:solidFill>
@@ -14850,10 +14855,10 @@
                 <a:cs typeface="Times New Roman"/>
                 <a:sym typeface="Times New Roman"/>
               </a:rPr>
-              <a:t>Христо Панев и Таня Божкова  8</a:t>
+              <a:t>Христо Панев и Таня Божкова  9</a:t>
             </a:r>
             <a:r>
-              <a:rPr lang="en" sz="1200" i="1" baseline="30000">
+              <a:rPr lang="en" sz="1200" i="1" baseline="30000" dirty="0">
                 <a:solidFill>
                   <a:srgbClr val="000000"/>
                 </a:solidFill>
@@ -14865,7 +14870,7 @@
               <a:t> </a:t>
             </a:r>
             <a:r>
-              <a:rPr lang="en" sz="1200" i="1">
+              <a:rPr lang="en" sz="1200" i="1" dirty="0">
                 <a:solidFill>
                   <a:srgbClr val="000000"/>
                 </a:solidFill>
@@ -14876,7 +14881,7 @@
               </a:rPr>
               <a:t>клас</a:t>
             </a:r>
-            <a:endParaRPr sz="1200" i="1">
+            <a:endParaRPr sz="1200" i="1" dirty="0">
               <a:solidFill>
                 <a:srgbClr val="000000"/>
               </a:solidFill>
@@ -14900,7 +14905,7 @@
               <a:buNone/>
             </a:pPr>
             <a:r>
-              <a:rPr lang="en" sz="1200" i="1">
+              <a:rPr lang="en" sz="1200" i="1" dirty="0">
                 <a:solidFill>
                   <a:srgbClr val="000000"/>
                 </a:solidFill>
@@ -14911,7 +14916,7 @@
               </a:rPr>
               <a:t> ПМГ „ Константин Величков “ </a:t>
             </a:r>
-            <a:endParaRPr sz="1200" i="1">
+            <a:endParaRPr sz="1200" i="1" dirty="0">
               <a:solidFill>
                 <a:srgbClr val="000000"/>
               </a:solidFill>
@@ -14935,7 +14940,7 @@
               <a:buNone/>
             </a:pPr>
             <a:r>
-              <a:rPr lang="en" sz="1200" i="1">
+              <a:rPr lang="en" sz="1200" i="1" dirty="0">
                 <a:solidFill>
                   <a:srgbClr val="000000"/>
                 </a:solidFill>
@@ -14946,7 +14951,7 @@
               </a:rPr>
               <a:t>град Пазарджик</a:t>
             </a:r>
-            <a:endParaRPr sz="1200" i="1">
+            <a:endParaRPr sz="1200" i="1" dirty="0">
               <a:solidFill>
                 <a:srgbClr val="000000"/>
               </a:solidFill>
@@ -14966,7 +14971,7 @@
               </a:spcAft>
               <a:buNone/>
             </a:pPr>
-            <a:endParaRPr sz="3600"/>
+            <a:endParaRPr sz="3600" dirty="0"/>
           </a:p>
         </p:txBody>
       </p:sp>
